--- a/productservice/src/main/resources/Spring_Boot.pptx
+++ b/productservice/src/main/resources/Spring_Boot.pptx
@@ -16,6 +16,7 @@
     <p:sldId id="264" r:id="rId10"/>
     <p:sldId id="265" r:id="rId11"/>
     <p:sldId id="266" r:id="rId12"/>
+    <p:sldId id="267" r:id="rId13"/>
   </p:sldIdLst>
   <p:sldSz cx="12192000" cy="6858000"/>
   <p:notesSz cx="6858000" cy="9144000"/>
@@ -3910,6 +3911,621 @@
 </p:sld>
 </file>
 
+<file path=ppt/slides/slide12.xml><?xml version="1.0" encoding="utf-8"?>
+<p:sld xmlns:a="http://schemas.openxmlformats.org/drawingml/2006/main" xmlns:r="http://schemas.openxmlformats.org/officeDocument/2006/relationships" xmlns:p="http://schemas.openxmlformats.org/presentationml/2006/main">
+  <p:cSld>
+    <p:spTree>
+      <p:nvGrpSpPr>
+        <p:cNvPr id="1" name=""/>
+        <p:cNvGrpSpPr/>
+        <p:nvPr/>
+      </p:nvGrpSpPr>
+      <p:grpSpPr>
+        <a:xfrm>
+          <a:off x="0" y="0"/>
+          <a:ext cx="0" cy="0"/>
+          <a:chOff x="0" y="0"/>
+          <a:chExt cx="0" cy="0"/>
+        </a:xfrm>
+      </p:grpSpPr>
+      <p:sp>
+        <p:nvSpPr>
+          <p:cNvPr id="2" name="Title 1"/>
+          <p:cNvSpPr>
+            <a:spLocks noGrp="1"/>
+          </p:cNvSpPr>
+          <p:nvPr>
+            <p:ph type="title"/>
+          </p:nvPr>
+        </p:nvSpPr>
+        <p:spPr>
+          <a:xfrm>
+            <a:off x="838200" y="365125"/>
+            <a:ext cx="10515600" cy="755015"/>
+          </a:xfrm>
+        </p:spPr>
+        <p:txBody>
+          <a:bodyPr>
+            <a:normAutofit/>
+          </a:bodyPr>
+          <a:lstStyle/>
+          <a:p>
+            <a:r>
+              <a:rPr lang="en-US" sz="2400" b="1" dirty="0" err="1" smtClean="0"/>
+              <a:t>Config</a:t>
+            </a:r>
+            <a:r>
+              <a:rPr lang="en-US" sz="2400" b="1" dirty="0" smtClean="0"/>
+              <a:t> Server or Centralized configuration</a:t>
+            </a:r>
+            <a:endParaRPr lang="en-US" sz="2400" b="1" dirty="0"/>
+          </a:p>
+        </p:txBody>
+      </p:sp>
+      <p:sp>
+        <p:nvSpPr>
+          <p:cNvPr id="3" name="Content Placeholder 2"/>
+          <p:cNvSpPr>
+            <a:spLocks noGrp="1"/>
+          </p:cNvSpPr>
+          <p:nvPr>
+            <p:ph idx="1"/>
+          </p:nvPr>
+        </p:nvSpPr>
+        <p:spPr>
+          <a:xfrm>
+            <a:off x="838200" y="1120140"/>
+            <a:ext cx="10515600" cy="5497830"/>
+          </a:xfrm>
+        </p:spPr>
+        <p:txBody>
+          <a:bodyPr>
+            <a:normAutofit lnSpcReduction="10000"/>
+          </a:bodyPr>
+          <a:lstStyle/>
+          <a:p>
+            <a:pPr marL="0" marR="0" lvl="0" indent="0" defTabSz="914400" eaLnBrk="1" fontAlgn="auto" latinLnBrk="0" hangingPunct="1">
+              <a:lnSpc>
+                <a:spcPct val="100000"/>
+              </a:lnSpc>
+              <a:spcBef>
+                <a:spcPts val="0"/>
+              </a:spcBef>
+              <a:spcAft>
+                <a:spcPts val="0"/>
+              </a:spcAft>
+              <a:buClrTx/>
+              <a:buSzTx/>
+              <a:buFontTx/>
+              <a:buNone/>
+              <a:tabLst/>
+              <a:defRPr/>
+            </a:pPr>
+            <a:r>
+              <a:rPr lang="en-US" sz="1600" dirty="0" smtClean="0"/>
+              <a:t>Every micro service will have configuration associated with itself. It can be database connection </a:t>
+            </a:r>
+            <a:r>
+              <a:rPr lang="en-US" sz="1600" dirty="0" err="1" smtClean="0"/>
+              <a:t>config</a:t>
+            </a:r>
+            <a:r>
+              <a:rPr lang="en-US" sz="1600" dirty="0" smtClean="0"/>
+              <a:t>, </a:t>
+            </a:r>
+            <a:r>
+              <a:rPr lang="en-US" sz="1600" dirty="0" err="1" smtClean="0"/>
+              <a:t>env</a:t>
+            </a:r>
+            <a:r>
+              <a:rPr lang="en-US" sz="1600" dirty="0" smtClean="0"/>
+              <a:t> specific variables etc. And this information will be different for different environment like DEV/UAT/PERF and PROD. So to make this configuration centralized , Spring cloud provides configuration server and all micro service will connect to configuration server for configuration for a particular environment.</a:t>
+            </a:r>
+          </a:p>
+          <a:p>
+            <a:pPr marL="0" marR="0" lvl="0" indent="0" defTabSz="914400" eaLnBrk="1" fontAlgn="auto" latinLnBrk="0" hangingPunct="1">
+              <a:lnSpc>
+                <a:spcPct val="100000"/>
+              </a:lnSpc>
+              <a:spcBef>
+                <a:spcPts val="0"/>
+              </a:spcBef>
+              <a:spcAft>
+                <a:spcPts val="0"/>
+              </a:spcAft>
+              <a:buClrTx/>
+              <a:buSzTx/>
+              <a:buFontTx/>
+              <a:buNone/>
+              <a:tabLst/>
+              <a:defRPr/>
+            </a:pPr>
+            <a:endParaRPr lang="en-US" sz="1600" dirty="0"/>
+          </a:p>
+          <a:p>
+            <a:pPr marL="0" lvl="0" indent="0">
+              <a:lnSpc>
+                <a:spcPct val="100000"/>
+              </a:lnSpc>
+              <a:spcBef>
+                <a:spcPts val="0"/>
+              </a:spcBef>
+              <a:buNone/>
+            </a:pPr>
+            <a:r>
+              <a:rPr lang="en-US" sz="1600" dirty="0" smtClean="0"/>
+              <a:t>To create configuration server, need to add below  dependency and </a:t>
+            </a:r>
+            <a:r>
+              <a:rPr lang="en-US" sz="1600" dirty="0"/>
+              <a:t>@</a:t>
+            </a:r>
+            <a:r>
+              <a:rPr lang="en-US" sz="1600" dirty="0" err="1" smtClean="0"/>
+              <a:t>EnableConfigServer</a:t>
+            </a:r>
+            <a:r>
+              <a:rPr lang="en-US" sz="1600" dirty="0" smtClean="0"/>
+              <a:t> in root class. And </a:t>
+            </a:r>
+            <a:r>
+              <a:rPr lang="en-US" sz="1600" dirty="0" err="1" smtClean="0"/>
+              <a:t>config</a:t>
+            </a:r>
+            <a:r>
+              <a:rPr lang="en-US" sz="1600" dirty="0" smtClean="0"/>
+              <a:t> server will point to </a:t>
+            </a:r>
+            <a:r>
+              <a:rPr lang="en-US" sz="1600" dirty="0" err="1" smtClean="0"/>
+              <a:t>git</a:t>
+            </a:r>
+            <a:r>
+              <a:rPr lang="en-US" sz="1600" dirty="0" smtClean="0"/>
+              <a:t> or SVN repository </a:t>
+            </a:r>
+            <a:r>
+              <a:rPr lang="en-US" sz="1600" dirty="0" err="1" smtClean="0"/>
+              <a:t>url</a:t>
+            </a:r>
+            <a:r>
+              <a:rPr lang="en-US" sz="1600" dirty="0" smtClean="0"/>
+              <a:t> that we need to add in configuration file of </a:t>
+            </a:r>
+            <a:r>
+              <a:rPr lang="en-US" sz="1600" dirty="0" err="1" smtClean="0"/>
+              <a:t>config</a:t>
+            </a:r>
+            <a:r>
+              <a:rPr lang="en-US" sz="1600" dirty="0" smtClean="0"/>
+              <a:t> </a:t>
+            </a:r>
+            <a:r>
+              <a:rPr lang="en-US" sz="1600" smtClean="0"/>
+              <a:t>server service.</a:t>
+            </a:r>
+            <a:endParaRPr lang="en-US" sz="1600" dirty="0" smtClean="0"/>
+          </a:p>
+          <a:p>
+            <a:pPr marL="0" marR="0" lvl="0" indent="0" defTabSz="914400" eaLnBrk="1" fontAlgn="auto" latinLnBrk="0" hangingPunct="1">
+              <a:lnSpc>
+                <a:spcPct val="100000"/>
+              </a:lnSpc>
+              <a:spcBef>
+                <a:spcPts val="0"/>
+              </a:spcBef>
+              <a:spcAft>
+                <a:spcPts val="0"/>
+              </a:spcAft>
+              <a:buClrTx/>
+              <a:buSzTx/>
+              <a:buFontTx/>
+              <a:buNone/>
+              <a:tabLst/>
+              <a:defRPr/>
+            </a:pPr>
+            <a:endParaRPr lang="en-US" sz="1600" dirty="0"/>
+          </a:p>
+          <a:p>
+            <a:pPr marL="0" indent="0">
+              <a:lnSpc>
+                <a:spcPct val="100000"/>
+              </a:lnSpc>
+              <a:spcBef>
+                <a:spcPts val="0"/>
+              </a:spcBef>
+              <a:buNone/>
+            </a:pPr>
+            <a:r>
+              <a:rPr lang="en-US" sz="1200" dirty="0" err="1" smtClean="0"/>
+              <a:t>Config</a:t>
+            </a:r>
+            <a:r>
+              <a:rPr lang="en-US" sz="1200" dirty="0" smtClean="0"/>
+              <a:t> Server dependency:</a:t>
+            </a:r>
+          </a:p>
+          <a:p>
+            <a:pPr marL="0" indent="0">
+              <a:lnSpc>
+                <a:spcPct val="30000"/>
+              </a:lnSpc>
+              <a:buNone/>
+            </a:pPr>
+            <a:r>
+              <a:rPr lang="en-US" sz="1200" dirty="0"/>
+              <a:t>&lt;dependency&gt;</a:t>
+            </a:r>
+          </a:p>
+          <a:p>
+            <a:pPr marL="0" indent="0">
+              <a:lnSpc>
+                <a:spcPct val="30000"/>
+              </a:lnSpc>
+              <a:buNone/>
+            </a:pPr>
+            <a:r>
+              <a:rPr lang="en-US" sz="1200" dirty="0" smtClean="0"/>
+              <a:t>   &lt;</a:t>
+            </a:r>
+            <a:r>
+              <a:rPr lang="en-US" sz="1200" dirty="0" err="1"/>
+              <a:t>groupId</a:t>
+            </a:r>
+            <a:r>
+              <a:rPr lang="en-US" sz="1200" dirty="0"/>
+              <a:t>&gt;</a:t>
+            </a:r>
+            <a:r>
+              <a:rPr lang="en-US" sz="1200" dirty="0" err="1"/>
+              <a:t>org.springframework.cloud</a:t>
+            </a:r>
+            <a:r>
+              <a:rPr lang="en-US" sz="1200" dirty="0"/>
+              <a:t>&lt;/</a:t>
+            </a:r>
+            <a:r>
+              <a:rPr lang="en-US" sz="1200" dirty="0" err="1"/>
+              <a:t>groupId</a:t>
+            </a:r>
+            <a:r>
+              <a:rPr lang="en-US" sz="1200" dirty="0"/>
+              <a:t>&gt;</a:t>
+            </a:r>
+          </a:p>
+          <a:p>
+            <a:pPr marL="0" indent="0">
+              <a:lnSpc>
+                <a:spcPct val="30000"/>
+              </a:lnSpc>
+              <a:buNone/>
+            </a:pPr>
+            <a:r>
+              <a:rPr lang="en-US" sz="1200" dirty="0" smtClean="0"/>
+              <a:t>   &lt;</a:t>
+            </a:r>
+            <a:r>
+              <a:rPr lang="en-US" sz="1200" dirty="0" err="1"/>
+              <a:t>artifactId</a:t>
+            </a:r>
+            <a:r>
+              <a:rPr lang="en-US" sz="1200" dirty="0"/>
+              <a:t>&gt;spring-cloud-</a:t>
+            </a:r>
+            <a:r>
+              <a:rPr lang="en-US" sz="1200" u="sng" dirty="0" err="1"/>
+              <a:t>config</a:t>
+            </a:r>
+            <a:r>
+              <a:rPr lang="en-US" sz="1200" u="sng" dirty="0"/>
+              <a:t>-server&lt;/</a:t>
+            </a:r>
+            <a:r>
+              <a:rPr lang="en-US" sz="1200" u="sng" dirty="0" err="1"/>
+              <a:t>artifactId</a:t>
+            </a:r>
+            <a:r>
+              <a:rPr lang="en-US" sz="1200" u="sng" dirty="0"/>
+              <a:t>&gt;</a:t>
+            </a:r>
+          </a:p>
+          <a:p>
+            <a:pPr marL="0" indent="0">
+              <a:lnSpc>
+                <a:spcPct val="30000"/>
+              </a:lnSpc>
+              <a:buNone/>
+            </a:pPr>
+            <a:r>
+              <a:rPr lang="en-US" sz="1200" dirty="0" smtClean="0"/>
+              <a:t>&lt;/</a:t>
+            </a:r>
+            <a:r>
+              <a:rPr lang="en-US" sz="1200" dirty="0"/>
+              <a:t>dependency</a:t>
+            </a:r>
+            <a:r>
+              <a:rPr lang="en-US" sz="1200" dirty="0" smtClean="0"/>
+              <a:t>&gt;</a:t>
+            </a:r>
+            <a:endParaRPr lang="en-US" sz="1600" dirty="0" smtClean="0"/>
+          </a:p>
+          <a:p>
+            <a:pPr marL="0" marR="0" lvl="0" indent="0" defTabSz="914400" eaLnBrk="1" fontAlgn="auto" latinLnBrk="0" hangingPunct="1">
+              <a:lnSpc>
+                <a:spcPct val="100000"/>
+              </a:lnSpc>
+              <a:spcBef>
+                <a:spcPts val="0"/>
+              </a:spcBef>
+              <a:spcAft>
+                <a:spcPts val="0"/>
+              </a:spcAft>
+              <a:buClrTx/>
+              <a:buSzTx/>
+              <a:buFontTx/>
+              <a:buNone/>
+              <a:tabLst/>
+              <a:defRPr/>
+            </a:pPr>
+            <a:endParaRPr lang="en-US" sz="1600" dirty="0"/>
+          </a:p>
+          <a:p>
+            <a:pPr marL="0" marR="0" lvl="0" indent="0" defTabSz="914400" eaLnBrk="1" fontAlgn="auto" latinLnBrk="0" hangingPunct="1">
+              <a:lnSpc>
+                <a:spcPct val="100000"/>
+              </a:lnSpc>
+              <a:spcBef>
+                <a:spcPts val="0"/>
+              </a:spcBef>
+              <a:spcAft>
+                <a:spcPts val="0"/>
+              </a:spcAft>
+              <a:buClrTx/>
+              <a:buSzTx/>
+              <a:buFontTx/>
+              <a:buNone/>
+              <a:tabLst/>
+              <a:defRPr/>
+            </a:pPr>
+            <a:r>
+              <a:rPr lang="en-US" sz="1600" dirty="0" err="1" smtClean="0"/>
+              <a:t>Config</a:t>
+            </a:r>
+            <a:r>
+              <a:rPr lang="en-US" sz="1600" dirty="0" smtClean="0"/>
+              <a:t> client- To enable </a:t>
+            </a:r>
+            <a:r>
+              <a:rPr lang="en-US" sz="1600" dirty="0" err="1" smtClean="0"/>
+              <a:t>config</a:t>
+            </a:r>
+            <a:r>
+              <a:rPr lang="en-US" sz="1600" dirty="0" smtClean="0"/>
+              <a:t> client, need to add below dependency and</a:t>
+            </a:r>
+          </a:p>
+          <a:p>
+            <a:pPr marL="0" marR="0" lvl="0" indent="0" defTabSz="914400" eaLnBrk="1" fontAlgn="auto" latinLnBrk="0" hangingPunct="1">
+              <a:lnSpc>
+                <a:spcPct val="100000"/>
+              </a:lnSpc>
+              <a:spcBef>
+                <a:spcPts val="0"/>
+              </a:spcBef>
+              <a:spcAft>
+                <a:spcPts val="0"/>
+              </a:spcAft>
+              <a:buClrTx/>
+              <a:buSzTx/>
+              <a:buFontTx/>
+              <a:buNone/>
+              <a:tabLst/>
+              <a:defRPr/>
+            </a:pPr>
+            <a:endParaRPr lang="en-US" sz="1600" dirty="0"/>
+          </a:p>
+          <a:p>
+            <a:pPr marL="0" indent="0">
+              <a:lnSpc>
+                <a:spcPct val="30000"/>
+              </a:lnSpc>
+              <a:buNone/>
+            </a:pPr>
+            <a:r>
+              <a:rPr lang="en-US" sz="1200" dirty="0"/>
+              <a:t>&lt;dependency&gt;</a:t>
+            </a:r>
+          </a:p>
+          <a:p>
+            <a:pPr marL="0" indent="0">
+              <a:lnSpc>
+                <a:spcPct val="30000"/>
+              </a:lnSpc>
+              <a:buNone/>
+            </a:pPr>
+            <a:r>
+              <a:rPr lang="en-US" sz="1200" dirty="0" smtClean="0"/>
+              <a:t>      &lt;</a:t>
+            </a:r>
+            <a:r>
+              <a:rPr lang="en-US" sz="1200" dirty="0" err="1"/>
+              <a:t>groupId</a:t>
+            </a:r>
+            <a:r>
+              <a:rPr lang="en-US" sz="1200" dirty="0"/>
+              <a:t>&gt;</a:t>
+            </a:r>
+            <a:r>
+              <a:rPr lang="en-US" sz="1200" dirty="0" err="1"/>
+              <a:t>org.springframework.cloud</a:t>
+            </a:r>
+            <a:r>
+              <a:rPr lang="en-US" sz="1200" dirty="0"/>
+              <a:t>&lt;/</a:t>
+            </a:r>
+            <a:r>
+              <a:rPr lang="en-US" sz="1200" dirty="0" err="1"/>
+              <a:t>groupId</a:t>
+            </a:r>
+            <a:r>
+              <a:rPr lang="en-US" sz="1200" dirty="0"/>
+              <a:t>&gt;</a:t>
+            </a:r>
+          </a:p>
+          <a:p>
+            <a:pPr marL="0" indent="0">
+              <a:lnSpc>
+                <a:spcPct val="30000"/>
+              </a:lnSpc>
+              <a:buNone/>
+            </a:pPr>
+            <a:r>
+              <a:rPr lang="en-US" sz="1200" dirty="0" smtClean="0"/>
+              <a:t>      &lt;</a:t>
+            </a:r>
+            <a:r>
+              <a:rPr lang="en-US" sz="1200" dirty="0" err="1"/>
+              <a:t>artifactId</a:t>
+            </a:r>
+            <a:r>
+              <a:rPr lang="en-US" sz="1200" dirty="0"/>
+              <a:t>&gt;spring-cloud-starter-</a:t>
+            </a:r>
+            <a:r>
+              <a:rPr lang="en-US" sz="1200" u="sng" dirty="0" err="1"/>
+              <a:t>config</a:t>
+            </a:r>
+            <a:r>
+              <a:rPr lang="en-US" sz="1200" u="sng" dirty="0"/>
+              <a:t>&lt;/</a:t>
+            </a:r>
+            <a:r>
+              <a:rPr lang="en-US" sz="1200" u="sng" dirty="0" err="1"/>
+              <a:t>artifactId</a:t>
+            </a:r>
+            <a:r>
+              <a:rPr lang="en-US" sz="1200" u="sng" dirty="0"/>
+              <a:t>&gt;</a:t>
+            </a:r>
+          </a:p>
+          <a:p>
+            <a:pPr marL="0" indent="0">
+              <a:lnSpc>
+                <a:spcPct val="30000"/>
+              </a:lnSpc>
+              <a:buNone/>
+            </a:pPr>
+            <a:r>
+              <a:rPr lang="en-US" sz="1200" dirty="0" smtClean="0"/>
+              <a:t>&lt;/</a:t>
+            </a:r>
+            <a:r>
+              <a:rPr lang="en-US" sz="1200" dirty="0"/>
+              <a:t>dependency</a:t>
+            </a:r>
+            <a:r>
+              <a:rPr lang="en-US" sz="1200" dirty="0" smtClean="0"/>
+              <a:t>&gt;</a:t>
+            </a:r>
+          </a:p>
+          <a:p>
+            <a:pPr marL="0" indent="0">
+              <a:lnSpc>
+                <a:spcPct val="30000"/>
+              </a:lnSpc>
+              <a:buNone/>
+            </a:pPr>
+            <a:endParaRPr lang="en-US" sz="1200" dirty="0" smtClean="0"/>
+          </a:p>
+          <a:p>
+            <a:pPr marL="0" indent="0">
+              <a:lnSpc>
+                <a:spcPct val="30000"/>
+              </a:lnSpc>
+              <a:buNone/>
+            </a:pPr>
+            <a:r>
+              <a:rPr lang="en-US" sz="1200" dirty="0" smtClean="0"/>
+              <a:t>Need to add below property </a:t>
+            </a:r>
+            <a:r>
+              <a:rPr lang="en-US" sz="1200" dirty="0" err="1" smtClean="0"/>
+              <a:t>bootstrp.property</a:t>
+            </a:r>
+            <a:r>
+              <a:rPr lang="en-US" sz="1200" dirty="0" smtClean="0"/>
+              <a:t> of client </a:t>
+            </a:r>
+            <a:r>
+              <a:rPr lang="en-US" sz="1200" dirty="0" err="1" smtClean="0"/>
+              <a:t>config</a:t>
+            </a:r>
+            <a:r>
+              <a:rPr lang="en-US" sz="1200" dirty="0" smtClean="0"/>
+              <a:t> service.</a:t>
+            </a:r>
+            <a:endParaRPr lang="en-US" sz="1200" dirty="0"/>
+          </a:p>
+          <a:p>
+            <a:pPr marL="0" indent="0">
+              <a:buNone/>
+            </a:pPr>
+            <a:r>
+              <a:rPr lang="en-US" sz="1200" dirty="0" err="1"/>
+              <a:t>spring.application.name</a:t>
+            </a:r>
+            <a:r>
+              <a:rPr lang="en-US" sz="1200" dirty="0"/>
+              <a:t>=product-service</a:t>
+            </a:r>
+          </a:p>
+          <a:p>
+            <a:pPr marL="0" indent="0">
+              <a:buNone/>
+            </a:pPr>
+            <a:r>
+              <a:rPr lang="en-US" sz="1200" dirty="0" err="1"/>
+              <a:t>spring.cloud.config.uri</a:t>
+            </a:r>
+            <a:r>
+              <a:rPr lang="en-US" sz="1200" dirty="0"/>
+              <a:t>=http://localhost:8888</a:t>
+            </a:r>
+          </a:p>
+          <a:p>
+            <a:pPr marL="0" indent="0">
+              <a:buNone/>
+            </a:pPr>
+            <a:r>
+              <a:rPr lang="en-US" sz="1200" dirty="0" err="1"/>
+              <a:t>spring.profiles.active</a:t>
+            </a:r>
+            <a:r>
+              <a:rPr lang="en-US" sz="1200" dirty="0"/>
+              <a:t>=</a:t>
+            </a:r>
+            <a:r>
+              <a:rPr lang="en-US" sz="1200" u="sng" dirty="0"/>
+              <a:t>dev</a:t>
+            </a:r>
+            <a:endParaRPr lang="en-US" sz="1200" dirty="0"/>
+          </a:p>
+        </p:txBody>
+      </p:sp>
+    </p:spTree>
+    <p:extLst>
+      <p:ext uri="{BB962C8B-B14F-4D97-AF65-F5344CB8AC3E}">
+        <p14:creationId xmlns:p14="http://schemas.microsoft.com/office/powerpoint/2010/main" val="1383683329"/>
+      </p:ext>
+    </p:extLst>
+  </p:cSld>
+  <p:clrMapOvr>
+    <a:masterClrMapping/>
+  </p:clrMapOvr>
+</p:sld>
+</file>
+
 <file path=ppt/slides/slide2.xml><?xml version="1.0" encoding="utf-8"?>
 <p:sld xmlns:a="http://schemas.openxmlformats.org/drawingml/2006/main" xmlns:r="http://schemas.openxmlformats.org/officeDocument/2006/relationships" xmlns:p="http://schemas.openxmlformats.org/presentationml/2006/main">
   <p:cSld>

--- a/productservice/src/main/resources/Spring_Boot.pptx
+++ b/productservice/src/main/resources/Spring_Boot.pptx
@@ -17,6 +17,7 @@
     <p:sldId id="265" r:id="rId11"/>
     <p:sldId id="266" r:id="rId12"/>
     <p:sldId id="267" r:id="rId13"/>
+    <p:sldId id="268" r:id="rId14"/>
   </p:sldIdLst>
   <p:sldSz cx="12192000" cy="6858000"/>
   <p:notesSz cx="6858000" cy="9144000"/>
@@ -4098,13 +4099,8 @@
             </a:r>
             <a:r>
               <a:rPr lang="en-US" sz="1600" dirty="0" smtClean="0"/>
-              <a:t> </a:t>
-            </a:r>
-            <a:r>
-              <a:rPr lang="en-US" sz="1600" smtClean="0"/>
-              <a:t>server service.</a:t>
-            </a:r>
-            <a:endParaRPr lang="en-US" sz="1600" dirty="0" smtClean="0"/>
+              <a:t> server service.</a:t>
+            </a:r>
           </a:p>
           <a:p>
             <a:pPr marL="0" marR="0" lvl="0" indent="0" defTabSz="914400" eaLnBrk="1" fontAlgn="auto" latinLnBrk="0" hangingPunct="1">
@@ -4517,6 +4513,115 @@
     <p:extLst>
       <p:ext uri="{BB962C8B-B14F-4D97-AF65-F5344CB8AC3E}">
         <p14:creationId xmlns:p14="http://schemas.microsoft.com/office/powerpoint/2010/main" val="1383683329"/>
+      </p:ext>
+    </p:extLst>
+  </p:cSld>
+  <p:clrMapOvr>
+    <a:masterClrMapping/>
+  </p:clrMapOvr>
+</p:sld>
+</file>
+
+<file path=ppt/slides/slide13.xml><?xml version="1.0" encoding="utf-8"?>
+<p:sld xmlns:a="http://schemas.openxmlformats.org/drawingml/2006/main" xmlns:r="http://schemas.openxmlformats.org/officeDocument/2006/relationships" xmlns:p="http://schemas.openxmlformats.org/presentationml/2006/main">
+  <p:cSld>
+    <p:spTree>
+      <p:nvGrpSpPr>
+        <p:cNvPr id="1" name=""/>
+        <p:cNvGrpSpPr/>
+        <p:nvPr/>
+      </p:nvGrpSpPr>
+      <p:grpSpPr>
+        <a:xfrm>
+          <a:off x="0" y="0"/>
+          <a:ext cx="0" cy="0"/>
+          <a:chOff x="0" y="0"/>
+          <a:chExt cx="0" cy="0"/>
+        </a:xfrm>
+      </p:grpSpPr>
+      <p:sp>
+        <p:nvSpPr>
+          <p:cNvPr id="2" name="Title 1"/>
+          <p:cNvSpPr>
+            <a:spLocks noGrp="1"/>
+          </p:cNvSpPr>
+          <p:nvPr>
+            <p:ph type="title"/>
+          </p:nvPr>
+        </p:nvSpPr>
+        <p:spPr/>
+        <p:txBody>
+          <a:bodyPr/>
+          <a:lstStyle/>
+          <a:p>
+            <a:r>
+              <a:rPr lang="en-US" dirty="0" smtClean="0"/>
+              <a:t>Rest template service call using service id</a:t>
+            </a:r>
+            <a:endParaRPr lang="en-US" dirty="0"/>
+          </a:p>
+        </p:txBody>
+      </p:sp>
+      <p:sp>
+        <p:nvSpPr>
+          <p:cNvPr id="3" name="Content Placeholder 2"/>
+          <p:cNvSpPr>
+            <a:spLocks noGrp="1"/>
+          </p:cNvSpPr>
+          <p:nvPr>
+            <p:ph idx="1"/>
+          </p:nvPr>
+        </p:nvSpPr>
+        <p:spPr/>
+        <p:txBody>
+          <a:bodyPr/>
+          <a:lstStyle/>
+          <a:p>
+            <a:pPr marL="0" lvl="0" indent="0">
+              <a:lnSpc>
+                <a:spcPct val="100000"/>
+              </a:lnSpc>
+              <a:spcBef>
+                <a:spcPts val="0"/>
+              </a:spcBef>
+              <a:buNone/>
+            </a:pPr>
+            <a:r>
+              <a:rPr lang="en-US" dirty="0" smtClean="0"/>
+              <a:t>Please refer </a:t>
+            </a:r>
+            <a:r>
+              <a:rPr lang="en-US" dirty="0" err="1" smtClean="0"/>
+              <a:t>generateEODReport</a:t>
+            </a:r>
+            <a:r>
+              <a:rPr lang="en-US" dirty="0" smtClean="0"/>
+              <a:t> function under </a:t>
+            </a:r>
+            <a:r>
+              <a:rPr lang="en-US" dirty="0" err="1" smtClean="0"/>
+              <a:t>ProductRestController.java</a:t>
+            </a:r>
+            <a:r>
+              <a:rPr lang="en-US" dirty="0" smtClean="0"/>
+              <a:t>  in Product Service (Spring cloud) on </a:t>
+            </a:r>
+            <a:r>
+              <a:rPr lang="en-US" dirty="0" err="1" smtClean="0"/>
+              <a:t>github</a:t>
+            </a:r>
+            <a:r>
+              <a:rPr lang="en-US" smtClean="0"/>
+              <a:t> for more details</a:t>
+            </a:r>
+            <a:endParaRPr lang="en-US"/>
+          </a:p>
+        </p:txBody>
+      </p:sp>
+    </p:spTree>
+    <p:extLst>
+      <p:ext uri="{BB962C8B-B14F-4D97-AF65-F5344CB8AC3E}">
+        <p14:creationId xmlns:p14="http://schemas.microsoft.com/office/powerpoint/2010/main" val="631553302"/>
       </p:ext>
     </p:extLst>
   </p:cSld>
